--- a/trunk/presentations/milestone_3/Identification of argumentation acts in chat conversations.pptx
+++ b/trunk/presentations/milestone_3/Identification of argumentation acts in chat conversations.pptx
@@ -8,11 +8,13 @@
     <p:sldId id="256" r:id="rId2"/>
     <p:sldId id="257" r:id="rId3"/>
     <p:sldId id="258" r:id="rId4"/>
-    <p:sldId id="259" r:id="rId5"/>
-    <p:sldId id="260" r:id="rId6"/>
-    <p:sldId id="262" r:id="rId7"/>
-    <p:sldId id="261" r:id="rId8"/>
-    <p:sldId id="263" r:id="rId9"/>
+    <p:sldId id="267" r:id="rId5"/>
+    <p:sldId id="262" r:id="rId6"/>
+    <p:sldId id="264" r:id="rId7"/>
+    <p:sldId id="265" r:id="rId8"/>
+    <p:sldId id="266" r:id="rId9"/>
+    <p:sldId id="261" r:id="rId10"/>
+    <p:sldId id="263" r:id="rId11"/>
   </p:sldIdLst>
   <p:sldSz cx="9144000" cy="6858000" type="screen4x3"/>
   <p:notesSz cx="6858000" cy="9144000"/>
@@ -24755,623 +24757,7 @@
 </p:sld>
 </file>
 
-<file path=ppt/slides/slide2.xml><?xml version="1.0" encoding="utf-8"?>
-<p:sld xmlns:a="http://schemas.openxmlformats.org/drawingml/2006/main" xmlns:r="http://schemas.openxmlformats.org/officeDocument/2006/relationships" xmlns:p="http://schemas.openxmlformats.org/presentationml/2006/main">
-  <p:cSld>
-    <p:spTree>
-      <p:nvGrpSpPr>
-        <p:cNvPr id="1" name=""/>
-        <p:cNvGrpSpPr/>
-        <p:nvPr/>
-      </p:nvGrpSpPr>
-      <p:grpSpPr>
-        <a:xfrm>
-          <a:off x="0" y="0"/>
-          <a:ext cx="0" cy="0"/>
-          <a:chOff x="0" y="0"/>
-          <a:chExt cx="0" cy="0"/>
-        </a:xfrm>
-      </p:grpSpPr>
-      <p:sp>
-        <p:nvSpPr>
-          <p:cNvPr id="2" name="Title 1"/>
-          <p:cNvSpPr>
-            <a:spLocks noGrp="1"/>
-          </p:cNvSpPr>
-          <p:nvPr>
-            <p:ph type="title"/>
-          </p:nvPr>
-        </p:nvSpPr>
-        <p:spPr/>
-        <p:txBody>
-          <a:bodyPr/>
-          <a:lstStyle/>
-          <a:p>
-            <a:r>
-              <a:rPr lang="en-US" dirty="0" smtClean="0"/>
-              <a:t>Contents</a:t>
-            </a:r>
-            <a:endParaRPr lang="en-US" dirty="0"/>
-          </a:p>
-        </p:txBody>
-      </p:sp>
-      <p:sp>
-        <p:nvSpPr>
-          <p:cNvPr id="3" name="Content Placeholder 2"/>
-          <p:cNvSpPr>
-            <a:spLocks noGrp="1"/>
-          </p:cNvSpPr>
-          <p:nvPr>
-            <p:ph idx="1"/>
-          </p:nvPr>
-        </p:nvSpPr>
-        <p:spPr>
-          <a:xfrm>
-            <a:off x="457200" y="2133600"/>
-            <a:ext cx="8229600" cy="4225925"/>
-          </a:xfrm>
-        </p:spPr>
-        <p:txBody>
-          <a:bodyPr/>
-          <a:lstStyle/>
-          <a:p>
-            <a:r>
-              <a:rPr lang="en-US" dirty="0" smtClean="0"/>
-              <a:t>Software architecture specification</a:t>
-            </a:r>
-          </a:p>
-          <a:p>
-            <a:r>
-              <a:rPr lang="en-US" dirty="0" smtClean="0"/>
-              <a:t>Typical dataflow </a:t>
-            </a:r>
-            <a:endParaRPr lang="en-US" dirty="0" smtClean="0"/>
-          </a:p>
-          <a:p>
-            <a:r>
-              <a:rPr lang="en-US" dirty="0" smtClean="0"/>
-              <a:t>Technologies</a:t>
-            </a:r>
-            <a:endParaRPr lang="en-US" dirty="0" smtClean="0"/>
-          </a:p>
-          <a:p>
-            <a:r>
-              <a:rPr lang="en-US" dirty="0" smtClean="0"/>
-              <a:t>Algorithms</a:t>
-            </a:r>
-          </a:p>
-          <a:p>
-            <a:endParaRPr lang="en-US" dirty="0" smtClean="0"/>
-          </a:p>
-          <a:p>
-            <a:pPr marL="0" indent="0">
-              <a:buNone/>
-            </a:pPr>
-            <a:endParaRPr lang="en-US" dirty="0" smtClean="0"/>
-          </a:p>
-        </p:txBody>
-      </p:sp>
-    </p:spTree>
-    <p:extLst>
-      <p:ext uri="{BB962C8B-B14F-4D97-AF65-F5344CB8AC3E}">
-        <p14:creationId xmlns:p14="http://schemas.microsoft.com/office/powerpoint/2010/main" val="1332193907"/>
-      </p:ext>
-    </p:extLst>
-  </p:cSld>
-  <p:clrMapOvr>
-    <a:masterClrMapping/>
-  </p:clrMapOvr>
-  <p:timing>
-    <p:tnLst>
-      <p:par>
-        <p:cTn xmlns:p14="http://schemas.microsoft.com/office/powerpoint/2010/main" id="1" dur="indefinite" restart="never" nodeType="tmRoot"/>
-      </p:par>
-    </p:tnLst>
-  </p:timing>
-</p:sld>
-</file>
-
-<file path=ppt/slides/slide3.xml><?xml version="1.0" encoding="utf-8"?>
-<p:sld xmlns:a="http://schemas.openxmlformats.org/drawingml/2006/main" xmlns:r="http://schemas.openxmlformats.org/officeDocument/2006/relationships" xmlns:p="http://schemas.openxmlformats.org/presentationml/2006/main">
-  <p:cSld>
-    <p:spTree>
-      <p:nvGrpSpPr>
-        <p:cNvPr id="1" name=""/>
-        <p:cNvGrpSpPr/>
-        <p:nvPr/>
-      </p:nvGrpSpPr>
-      <p:grpSpPr>
-        <a:xfrm>
-          <a:off x="0" y="0"/>
-          <a:ext cx="0" cy="0"/>
-          <a:chOff x="0" y="0"/>
-          <a:chExt cx="0" cy="0"/>
-        </a:xfrm>
-      </p:grpSpPr>
-      <p:sp>
-        <p:nvSpPr>
-          <p:cNvPr id="2" name="Title 1"/>
-          <p:cNvSpPr>
-            <a:spLocks noGrp="1"/>
-          </p:cNvSpPr>
-          <p:nvPr>
-            <p:ph type="title"/>
-          </p:nvPr>
-        </p:nvSpPr>
-        <p:spPr/>
-        <p:txBody>
-          <a:bodyPr/>
-          <a:lstStyle/>
-          <a:p>
-            <a:r>
-              <a:rPr lang="en-US" dirty="0" smtClean="0"/>
-              <a:t/>
-            </a:r>
-            <a:br>
-              <a:rPr lang="en-US" dirty="0" smtClean="0"/>
-            </a:br>
-            <a:r>
-              <a:rPr lang="en-US" dirty="0"/>
-              <a:t>Software architecture specification</a:t>
-            </a:r>
-            <a:br>
-              <a:rPr lang="en-US" dirty="0"/>
-            </a:br>
-            <a:endParaRPr lang="en-US" dirty="0"/>
-          </a:p>
-        </p:txBody>
-      </p:sp>
-      <p:sp>
-        <p:nvSpPr>
-          <p:cNvPr id="4" name="Content Placeholder 3"/>
-          <p:cNvSpPr>
-            <a:spLocks noGrp="1"/>
-          </p:cNvSpPr>
-          <p:nvPr>
-            <p:ph idx="1"/>
-          </p:nvPr>
-        </p:nvSpPr>
-        <p:spPr/>
-        <p:txBody>
-          <a:bodyPr/>
-          <a:lstStyle/>
-          <a:p>
-            <a:endParaRPr lang="en-US"/>
-          </a:p>
-        </p:txBody>
-      </p:sp>
-    </p:spTree>
-    <p:extLst>
-      <p:ext uri="{BB962C8B-B14F-4D97-AF65-F5344CB8AC3E}">
-        <p14:creationId xmlns:p14="http://schemas.microsoft.com/office/powerpoint/2010/main" val="3381724074"/>
-      </p:ext>
-    </p:extLst>
-  </p:cSld>
-  <p:clrMapOvr>
-    <a:masterClrMapping/>
-  </p:clrMapOvr>
-  <p:timing>
-    <p:tnLst>
-      <p:par>
-        <p:cTn xmlns:p14="http://schemas.microsoft.com/office/powerpoint/2010/main" id="1" dur="indefinite" restart="never" nodeType="tmRoot"/>
-      </p:par>
-    </p:tnLst>
-  </p:timing>
-</p:sld>
-</file>
-
-<file path=ppt/slides/slide4.xml><?xml version="1.0" encoding="utf-8"?>
-<p:sld xmlns:a="http://schemas.openxmlformats.org/drawingml/2006/main" xmlns:r="http://schemas.openxmlformats.org/officeDocument/2006/relationships" xmlns:p="http://schemas.openxmlformats.org/presentationml/2006/main">
-  <p:cSld>
-    <p:spTree>
-      <p:nvGrpSpPr>
-        <p:cNvPr id="1" name=""/>
-        <p:cNvGrpSpPr/>
-        <p:nvPr/>
-      </p:nvGrpSpPr>
-      <p:grpSpPr>
-        <a:xfrm>
-          <a:off x="0" y="0"/>
-          <a:ext cx="0" cy="0"/>
-          <a:chOff x="0" y="0"/>
-          <a:chExt cx="0" cy="0"/>
-        </a:xfrm>
-      </p:grpSpPr>
-      <p:sp>
-        <p:nvSpPr>
-          <p:cNvPr id="2" name="Title 1"/>
-          <p:cNvSpPr>
-            <a:spLocks noGrp="1"/>
-          </p:cNvSpPr>
-          <p:nvPr>
-            <p:ph type="title"/>
-          </p:nvPr>
-        </p:nvSpPr>
-        <p:spPr/>
-        <p:txBody>
-          <a:bodyPr/>
-          <a:lstStyle/>
-          <a:p>
-            <a:r>
-              <a:rPr lang="en-US" dirty="0" smtClean="0"/>
-              <a:t>Problems</a:t>
-            </a:r>
-            <a:endParaRPr lang="en-US" dirty="0"/>
-          </a:p>
-        </p:txBody>
-      </p:sp>
-      <p:sp>
-        <p:nvSpPr>
-          <p:cNvPr id="3" name="Content Placeholder 2"/>
-          <p:cNvSpPr>
-            <a:spLocks noGrp="1"/>
-          </p:cNvSpPr>
-          <p:nvPr>
-            <p:ph idx="1"/>
-          </p:nvPr>
-        </p:nvSpPr>
-        <p:spPr>
-          <a:xfrm>
-            <a:off x="457200" y="2057400"/>
-            <a:ext cx="8229600" cy="4073525"/>
-          </a:xfrm>
-        </p:spPr>
-        <p:txBody>
-          <a:bodyPr/>
-          <a:lstStyle/>
-          <a:p>
-            <a:r>
-              <a:rPr lang="en-US" dirty="0" smtClean="0"/>
-              <a:t>Hard to apply roles in free texts</a:t>
-            </a:r>
-          </a:p>
-          <a:p>
-            <a:r>
-              <a:rPr lang="en-US" dirty="0" smtClean="0"/>
-              <a:t>Complex chains of arguments</a:t>
-            </a:r>
-          </a:p>
-          <a:p>
-            <a:r>
-              <a:rPr lang="en-US" dirty="0" smtClean="0"/>
-              <a:t>Difficult to pick critical questions for a schema</a:t>
-            </a:r>
-          </a:p>
-          <a:p>
-            <a:endParaRPr lang="en-US" dirty="0"/>
-          </a:p>
-        </p:txBody>
-      </p:sp>
-    </p:spTree>
-    <p:extLst>
-      <p:ext uri="{BB962C8B-B14F-4D97-AF65-F5344CB8AC3E}">
-        <p14:creationId xmlns:p14="http://schemas.microsoft.com/office/powerpoint/2010/main" val="401101127"/>
-      </p:ext>
-    </p:extLst>
-  </p:cSld>
-  <p:clrMapOvr>
-    <a:masterClrMapping/>
-  </p:clrMapOvr>
-  <p:timing>
-    <p:tnLst>
-      <p:par>
-        <p:cTn xmlns:p14="http://schemas.microsoft.com/office/powerpoint/2010/main" id="1" dur="indefinite" restart="never" nodeType="tmRoot"/>
-      </p:par>
-    </p:tnLst>
-  </p:timing>
-</p:sld>
-</file>
-
-<file path=ppt/slides/slide5.xml><?xml version="1.0" encoding="utf-8"?>
-<p:sld xmlns:a="http://schemas.openxmlformats.org/drawingml/2006/main" xmlns:r="http://schemas.openxmlformats.org/officeDocument/2006/relationships" xmlns:p="http://schemas.openxmlformats.org/presentationml/2006/main">
-  <p:cSld>
-    <p:spTree>
-      <p:nvGrpSpPr>
-        <p:cNvPr id="1" name=""/>
-        <p:cNvGrpSpPr/>
-        <p:nvPr/>
-      </p:nvGrpSpPr>
-      <p:grpSpPr>
-        <a:xfrm>
-          <a:off x="0" y="0"/>
-          <a:ext cx="0" cy="0"/>
-          <a:chOff x="0" y="0"/>
-          <a:chExt cx="0" cy="0"/>
-        </a:xfrm>
-      </p:grpSpPr>
-      <p:sp>
-        <p:nvSpPr>
-          <p:cNvPr id="2" name="Title 1"/>
-          <p:cNvSpPr>
-            <a:spLocks noGrp="1"/>
-          </p:cNvSpPr>
-          <p:nvPr>
-            <p:ph type="title"/>
-          </p:nvPr>
-        </p:nvSpPr>
-        <p:spPr/>
-        <p:txBody>
-          <a:bodyPr/>
-          <a:lstStyle/>
-          <a:p>
-            <a:r>
-              <a:rPr lang="en-US" dirty="0" smtClean="0"/>
-              <a:t>What can be improved ?</a:t>
-            </a:r>
-            <a:endParaRPr lang="en-US" dirty="0"/>
-          </a:p>
-        </p:txBody>
-      </p:sp>
-      <p:sp>
-        <p:nvSpPr>
-          <p:cNvPr id="3" name="Content Placeholder 2"/>
-          <p:cNvSpPr>
-            <a:spLocks noGrp="1"/>
-          </p:cNvSpPr>
-          <p:nvPr>
-            <p:ph idx="1"/>
-          </p:nvPr>
-        </p:nvSpPr>
-        <p:spPr>
-          <a:xfrm>
-            <a:off x="457200" y="1905000"/>
-            <a:ext cx="8229600" cy="4225925"/>
-          </a:xfrm>
-        </p:spPr>
-        <p:txBody>
-          <a:bodyPr/>
-          <a:lstStyle/>
-          <a:p>
-            <a:r>
-              <a:rPr lang="en-US" dirty="0"/>
-              <a:t> </a:t>
-            </a:r>
-            <a:r>
-              <a:rPr lang="en-US" dirty="0" smtClean="0"/>
-              <a:t>Classifiers for argument /non-argument</a:t>
-            </a:r>
-          </a:p>
-          <a:p>
-            <a:r>
-              <a:rPr lang="en-US" dirty="0" smtClean="0"/>
-              <a:t>Segmentation algorithm for argument bounds</a:t>
-            </a:r>
-          </a:p>
-          <a:p>
-            <a:r>
-              <a:rPr lang="en-US" dirty="0" smtClean="0"/>
-              <a:t>Using multiple schema and chose among them using a statistical method</a:t>
-            </a:r>
-            <a:endParaRPr lang="en-US" dirty="0"/>
-          </a:p>
-        </p:txBody>
-      </p:sp>
-    </p:spTree>
-    <p:extLst>
-      <p:ext uri="{BB962C8B-B14F-4D97-AF65-F5344CB8AC3E}">
-        <p14:creationId xmlns:p14="http://schemas.microsoft.com/office/powerpoint/2010/main" val="34823457"/>
-      </p:ext>
-    </p:extLst>
-  </p:cSld>
-  <p:clrMapOvr>
-    <a:masterClrMapping/>
-  </p:clrMapOvr>
-  <p:timing>
-    <p:tnLst>
-      <p:par>
-        <p:cTn xmlns:p14="http://schemas.microsoft.com/office/powerpoint/2010/main" id="1" dur="indefinite" restart="never" nodeType="tmRoot"/>
-      </p:par>
-    </p:tnLst>
-  </p:timing>
-</p:sld>
-</file>
-
-<file path=ppt/slides/slide6.xml><?xml version="1.0" encoding="utf-8"?>
-<p:sld xmlns:a="http://schemas.openxmlformats.org/drawingml/2006/main" xmlns:r="http://schemas.openxmlformats.org/officeDocument/2006/relationships" xmlns:p="http://schemas.openxmlformats.org/presentationml/2006/main">
-  <p:cSld>
-    <p:spTree>
-      <p:nvGrpSpPr>
-        <p:cNvPr id="1" name=""/>
-        <p:cNvGrpSpPr/>
-        <p:nvPr/>
-      </p:nvGrpSpPr>
-      <p:grpSpPr>
-        <a:xfrm>
-          <a:off x="0" y="0"/>
-          <a:ext cx="0" cy="0"/>
-          <a:chOff x="0" y="0"/>
-          <a:chExt cx="0" cy="0"/>
-        </a:xfrm>
-      </p:grpSpPr>
-      <p:sp>
-        <p:nvSpPr>
-          <p:cNvPr id="2" name="Title 1"/>
-          <p:cNvSpPr>
-            <a:spLocks noGrp="1"/>
-          </p:cNvSpPr>
-          <p:nvPr>
-            <p:ph type="title"/>
-          </p:nvPr>
-        </p:nvSpPr>
-        <p:spPr/>
-        <p:txBody>
-          <a:bodyPr/>
-          <a:lstStyle/>
-          <a:p>
-            <a:r>
-              <a:rPr lang="en-US" dirty="0" smtClean="0"/>
-              <a:t>Algorithms</a:t>
-            </a:r>
-            <a:endParaRPr lang="en-US" dirty="0"/>
-          </a:p>
-        </p:txBody>
-      </p:sp>
-      <p:sp>
-        <p:nvSpPr>
-          <p:cNvPr id="3" name="Content Placeholder 2"/>
-          <p:cNvSpPr>
-            <a:spLocks noGrp="1"/>
-          </p:cNvSpPr>
-          <p:nvPr>
-            <p:ph idx="1"/>
-          </p:nvPr>
-        </p:nvSpPr>
-        <p:spPr>
-          <a:xfrm>
-            <a:off x="457200" y="1981200"/>
-            <a:ext cx="8229600" cy="4149725"/>
-          </a:xfrm>
-        </p:spPr>
-        <p:txBody>
-          <a:bodyPr/>
-          <a:lstStyle/>
-          <a:p>
-            <a:r>
-              <a:rPr lang="en-US" dirty="0" smtClean="0"/>
-              <a:t>Maximum Entropy and SVM classifier</a:t>
-            </a:r>
-          </a:p>
-          <a:p>
-            <a:r>
-              <a:rPr lang="en-US" dirty="0" smtClean="0"/>
-              <a:t>Bayesian Classifier (with chosen features)</a:t>
-            </a:r>
-          </a:p>
-          <a:p>
-            <a:r>
-              <a:rPr lang="en-US" dirty="0" smtClean="0"/>
-              <a:t>Learning algorithm (neural networks)</a:t>
-            </a:r>
-            <a:endParaRPr lang="en-US" dirty="0"/>
-          </a:p>
-        </p:txBody>
-      </p:sp>
-    </p:spTree>
-    <p:extLst>
-      <p:ext uri="{BB962C8B-B14F-4D97-AF65-F5344CB8AC3E}">
-        <p14:creationId xmlns:p14="http://schemas.microsoft.com/office/powerpoint/2010/main" val="854921587"/>
-      </p:ext>
-    </p:extLst>
-  </p:cSld>
-  <p:clrMapOvr>
-    <a:masterClrMapping/>
-  </p:clrMapOvr>
-  <p:timing>
-    <p:tnLst>
-      <p:par>
-        <p:cTn xmlns:p14="http://schemas.microsoft.com/office/powerpoint/2010/main" id="1" dur="indefinite" restart="never" nodeType="tmRoot"/>
-      </p:par>
-    </p:tnLst>
-  </p:timing>
-</p:sld>
-</file>
-
-<file path=ppt/slides/slide7.xml><?xml version="1.0" encoding="utf-8"?>
-<p:sld xmlns:a="http://schemas.openxmlformats.org/drawingml/2006/main" xmlns:r="http://schemas.openxmlformats.org/officeDocument/2006/relationships" xmlns:p="http://schemas.openxmlformats.org/presentationml/2006/main">
-  <p:cSld>
-    <p:spTree>
-      <p:nvGrpSpPr>
-        <p:cNvPr id="1" name=""/>
-        <p:cNvGrpSpPr/>
-        <p:nvPr/>
-      </p:nvGrpSpPr>
-      <p:grpSpPr>
-        <a:xfrm>
-          <a:off x="0" y="0"/>
-          <a:ext cx="0" cy="0"/>
-          <a:chOff x="0" y="0"/>
-          <a:chExt cx="0" cy="0"/>
-        </a:xfrm>
-      </p:grpSpPr>
-      <p:sp>
-        <p:nvSpPr>
-          <p:cNvPr id="2" name="Title 1"/>
-          <p:cNvSpPr>
-            <a:spLocks noGrp="1"/>
-          </p:cNvSpPr>
-          <p:nvPr>
-            <p:ph type="title"/>
-          </p:nvPr>
-        </p:nvSpPr>
-        <p:spPr/>
-        <p:txBody>
-          <a:bodyPr/>
-          <a:lstStyle/>
-          <a:p>
-            <a:r>
-              <a:rPr lang="en-US" dirty="0" smtClean="0"/>
-              <a:t>Technologies</a:t>
-            </a:r>
-            <a:endParaRPr lang="en-US" dirty="0"/>
-          </a:p>
-        </p:txBody>
-      </p:sp>
-      <p:sp>
-        <p:nvSpPr>
-          <p:cNvPr id="3" name="Content Placeholder 2"/>
-          <p:cNvSpPr>
-            <a:spLocks noGrp="1"/>
-          </p:cNvSpPr>
-          <p:nvPr>
-            <p:ph idx="1"/>
-          </p:nvPr>
-        </p:nvSpPr>
-        <p:spPr>
-          <a:xfrm>
-            <a:off x="457200" y="1981200"/>
-            <a:ext cx="8229600" cy="4149725"/>
-          </a:xfrm>
-        </p:spPr>
-        <p:txBody>
-          <a:bodyPr/>
-          <a:lstStyle/>
-          <a:p>
-            <a:r>
-              <a:rPr lang="en-US" dirty="0" smtClean="0"/>
-              <a:t>Corpus used : Araucaria</a:t>
-            </a:r>
-          </a:p>
-          <a:p>
-            <a:r>
-              <a:rPr lang="en-US" dirty="0" smtClean="0"/>
-              <a:t>Language : probably C</a:t>
-            </a:r>
-          </a:p>
-          <a:p>
-            <a:r>
-              <a:rPr lang="en-US" dirty="0" smtClean="0"/>
-              <a:t>Some open source libraries (ex :NTLK )</a:t>
-            </a:r>
-          </a:p>
-          <a:p>
-            <a:endParaRPr lang="en-US" dirty="0" smtClean="0"/>
-          </a:p>
-          <a:p>
-            <a:endParaRPr lang="en-US" dirty="0"/>
-          </a:p>
-        </p:txBody>
-      </p:sp>
-    </p:spTree>
-    <p:extLst>
-      <p:ext uri="{BB962C8B-B14F-4D97-AF65-F5344CB8AC3E}">
-        <p14:creationId xmlns:p14="http://schemas.microsoft.com/office/powerpoint/2010/main" val="4274021973"/>
-      </p:ext>
-    </p:extLst>
-  </p:cSld>
-  <p:clrMapOvr>
-    <a:masterClrMapping/>
-  </p:clrMapOvr>
-  <p:timing>
-    <p:tnLst>
-      <p:par>
-        <p:cTn xmlns:p14="http://schemas.microsoft.com/office/powerpoint/2010/main" id="1" dur="indefinite" restart="never" nodeType="tmRoot"/>
-      </p:par>
-    </p:tnLst>
-  </p:timing>
-</p:sld>
-</file>
-
-<file path=ppt/slides/slide8.xml><?xml version="1.0" encoding="utf-8"?>
+<file path=ppt/slides/slide10.xml><?xml version="1.0" encoding="utf-8"?>
 <p:sld xmlns:a="http://schemas.openxmlformats.org/drawingml/2006/main" xmlns:r="http://schemas.openxmlformats.org/officeDocument/2006/relationships" xmlns:p="http://schemas.openxmlformats.org/presentationml/2006/main">
   <p:cSld>
     <p:spTree>
@@ -25620,6 +25006,926 @@
     <p:extLst>
       <p:ext uri="{BB962C8B-B14F-4D97-AF65-F5344CB8AC3E}">
         <p14:creationId xmlns:p14="http://schemas.microsoft.com/office/powerpoint/2010/main" val="2319385808"/>
+      </p:ext>
+    </p:extLst>
+  </p:cSld>
+  <p:clrMapOvr>
+    <a:masterClrMapping/>
+  </p:clrMapOvr>
+  <p:timing>
+    <p:tnLst>
+      <p:par>
+        <p:cTn xmlns:p14="http://schemas.microsoft.com/office/powerpoint/2010/main" id="1" dur="indefinite" restart="never" nodeType="tmRoot"/>
+      </p:par>
+    </p:tnLst>
+  </p:timing>
+</p:sld>
+</file>
+
+<file path=ppt/slides/slide2.xml><?xml version="1.0" encoding="utf-8"?>
+<p:sld xmlns:a="http://schemas.openxmlformats.org/drawingml/2006/main" xmlns:r="http://schemas.openxmlformats.org/officeDocument/2006/relationships" xmlns:p="http://schemas.openxmlformats.org/presentationml/2006/main">
+  <p:cSld>
+    <p:spTree>
+      <p:nvGrpSpPr>
+        <p:cNvPr id="1" name=""/>
+        <p:cNvGrpSpPr/>
+        <p:nvPr/>
+      </p:nvGrpSpPr>
+      <p:grpSpPr>
+        <a:xfrm>
+          <a:off x="0" y="0"/>
+          <a:ext cx="0" cy="0"/>
+          <a:chOff x="0" y="0"/>
+          <a:chExt cx="0" cy="0"/>
+        </a:xfrm>
+      </p:grpSpPr>
+      <p:sp>
+        <p:nvSpPr>
+          <p:cNvPr id="2" name="Title 1"/>
+          <p:cNvSpPr>
+            <a:spLocks noGrp="1"/>
+          </p:cNvSpPr>
+          <p:nvPr>
+            <p:ph type="title"/>
+          </p:nvPr>
+        </p:nvSpPr>
+        <p:spPr/>
+        <p:txBody>
+          <a:bodyPr/>
+          <a:lstStyle/>
+          <a:p>
+            <a:r>
+              <a:rPr lang="en-US" dirty="0" smtClean="0"/>
+              <a:t>Contents</a:t>
+            </a:r>
+            <a:endParaRPr lang="en-US" dirty="0"/>
+          </a:p>
+        </p:txBody>
+      </p:sp>
+      <p:sp>
+        <p:nvSpPr>
+          <p:cNvPr id="3" name="Content Placeholder 2"/>
+          <p:cNvSpPr>
+            <a:spLocks noGrp="1"/>
+          </p:cNvSpPr>
+          <p:nvPr>
+            <p:ph idx="1"/>
+          </p:nvPr>
+        </p:nvSpPr>
+        <p:spPr>
+          <a:xfrm>
+            <a:off x="457200" y="2133600"/>
+            <a:ext cx="8229600" cy="4225925"/>
+          </a:xfrm>
+        </p:spPr>
+        <p:txBody>
+          <a:bodyPr/>
+          <a:lstStyle/>
+          <a:p>
+            <a:r>
+              <a:rPr lang="en-US" dirty="0" smtClean="0"/>
+              <a:t>Software architecture </a:t>
+            </a:r>
+            <a:r>
+              <a:rPr lang="en-US" dirty="0" smtClean="0"/>
+              <a:t>specification</a:t>
+            </a:r>
+            <a:endParaRPr lang="en-US" dirty="0" smtClean="0"/>
+          </a:p>
+          <a:p>
+            <a:r>
+              <a:rPr lang="en-US" dirty="0" smtClean="0"/>
+              <a:t>Typical dataflow </a:t>
+            </a:r>
+            <a:endParaRPr lang="en-US" dirty="0" smtClean="0"/>
+          </a:p>
+          <a:p>
+            <a:r>
+              <a:rPr lang="en-US" dirty="0" smtClean="0"/>
+              <a:t>Algorithms</a:t>
+            </a:r>
+            <a:endParaRPr lang="en-US" dirty="0" smtClean="0"/>
+          </a:p>
+          <a:p>
+            <a:r>
+              <a:rPr lang="en-US" dirty="0" smtClean="0"/>
+              <a:t>Technologies</a:t>
+            </a:r>
+          </a:p>
+          <a:p>
+            <a:endParaRPr lang="en-US" dirty="0" smtClean="0"/>
+          </a:p>
+          <a:p>
+            <a:pPr marL="0" indent="0">
+              <a:buNone/>
+            </a:pPr>
+            <a:endParaRPr lang="en-US" dirty="0" smtClean="0"/>
+          </a:p>
+        </p:txBody>
+      </p:sp>
+    </p:spTree>
+    <p:extLst>
+      <p:ext uri="{BB962C8B-B14F-4D97-AF65-F5344CB8AC3E}">
+        <p14:creationId xmlns:p14="http://schemas.microsoft.com/office/powerpoint/2010/main" val="1332193907"/>
+      </p:ext>
+    </p:extLst>
+  </p:cSld>
+  <p:clrMapOvr>
+    <a:masterClrMapping/>
+  </p:clrMapOvr>
+  <p:timing>
+    <p:tnLst>
+      <p:par>
+        <p:cTn xmlns:p14="http://schemas.microsoft.com/office/powerpoint/2010/main" id="1" dur="indefinite" restart="never" nodeType="tmRoot"/>
+      </p:par>
+    </p:tnLst>
+  </p:timing>
+</p:sld>
+</file>
+
+<file path=ppt/slides/slide3.xml><?xml version="1.0" encoding="utf-8"?>
+<p:sld xmlns:a="http://schemas.openxmlformats.org/drawingml/2006/main" xmlns:r="http://schemas.openxmlformats.org/officeDocument/2006/relationships" xmlns:p="http://schemas.openxmlformats.org/presentationml/2006/main">
+  <p:cSld>
+    <p:spTree>
+      <p:nvGrpSpPr>
+        <p:cNvPr id="1" name=""/>
+        <p:cNvGrpSpPr/>
+        <p:nvPr/>
+      </p:nvGrpSpPr>
+      <p:grpSpPr>
+        <a:xfrm>
+          <a:off x="0" y="0"/>
+          <a:ext cx="0" cy="0"/>
+          <a:chOff x="0" y="0"/>
+          <a:chExt cx="0" cy="0"/>
+        </a:xfrm>
+      </p:grpSpPr>
+      <p:sp>
+        <p:nvSpPr>
+          <p:cNvPr id="2" name="Title 1"/>
+          <p:cNvSpPr>
+            <a:spLocks noGrp="1"/>
+          </p:cNvSpPr>
+          <p:nvPr>
+            <p:ph type="title"/>
+          </p:nvPr>
+        </p:nvSpPr>
+        <p:spPr/>
+        <p:txBody>
+          <a:bodyPr/>
+          <a:lstStyle/>
+          <a:p>
+            <a:r>
+              <a:rPr lang="en-US" dirty="0" smtClean="0"/>
+              <a:t/>
+            </a:r>
+            <a:br>
+              <a:rPr lang="en-US" dirty="0" smtClean="0"/>
+            </a:br>
+            <a:r>
+              <a:rPr lang="en-US" dirty="0"/>
+              <a:t>Software architecture specification</a:t>
+            </a:r>
+            <a:br>
+              <a:rPr lang="en-US" dirty="0"/>
+            </a:br>
+            <a:endParaRPr lang="en-US" dirty="0"/>
+          </a:p>
+        </p:txBody>
+      </p:sp>
+      <p:pic>
+        <p:nvPicPr>
+          <p:cNvPr id="8" name="Content Placeholder 7"/>
+          <p:cNvPicPr>
+            <a:picLocks noGrp="1" noChangeAspect="1"/>
+          </p:cNvPicPr>
+          <p:nvPr>
+            <p:ph idx="1"/>
+          </p:nvPr>
+        </p:nvPicPr>
+        <p:blipFill>
+          <a:blip r:embed="rId2">
+            <a:extLst>
+              <a:ext uri="{28A0092B-C50C-407E-A947-70E740481C1C}">
+                <a14:useLocalDpi xmlns:a14="http://schemas.microsoft.com/office/drawing/2010/main" val="0"/>
+              </a:ext>
+            </a:extLst>
+          </a:blip>
+          <a:stretch>
+            <a:fillRect/>
+          </a:stretch>
+        </p:blipFill>
+        <p:spPr>
+          <a:xfrm>
+            <a:off x="2133600" y="1752600"/>
+            <a:ext cx="3884760" cy="4530725"/>
+          </a:xfrm>
+        </p:spPr>
+      </p:pic>
+    </p:spTree>
+    <p:extLst>
+      <p:ext uri="{BB962C8B-B14F-4D97-AF65-F5344CB8AC3E}">
+        <p14:creationId xmlns:p14="http://schemas.microsoft.com/office/powerpoint/2010/main" val="3381724074"/>
+      </p:ext>
+    </p:extLst>
+  </p:cSld>
+  <p:clrMapOvr>
+    <a:masterClrMapping/>
+  </p:clrMapOvr>
+  <p:timing>
+    <p:tnLst>
+      <p:par>
+        <p:cTn xmlns:p14="http://schemas.microsoft.com/office/powerpoint/2010/main" id="1" dur="indefinite" restart="never" nodeType="tmRoot"/>
+      </p:par>
+    </p:tnLst>
+  </p:timing>
+</p:sld>
+</file>
+
+<file path=ppt/slides/slide4.xml><?xml version="1.0" encoding="utf-8"?>
+<p:sld xmlns:a="http://schemas.openxmlformats.org/drawingml/2006/main" xmlns:r="http://schemas.openxmlformats.org/officeDocument/2006/relationships" xmlns:p="http://schemas.openxmlformats.org/presentationml/2006/main">
+  <p:cSld>
+    <p:spTree>
+      <p:nvGrpSpPr>
+        <p:cNvPr id="1" name=""/>
+        <p:cNvGrpSpPr/>
+        <p:nvPr/>
+      </p:nvGrpSpPr>
+      <p:grpSpPr>
+        <a:xfrm>
+          <a:off x="0" y="0"/>
+          <a:ext cx="0" cy="0"/>
+          <a:chOff x="0" y="0"/>
+          <a:chExt cx="0" cy="0"/>
+        </a:xfrm>
+      </p:grpSpPr>
+      <p:sp>
+        <p:nvSpPr>
+          <p:cNvPr id="2" name="Title 1"/>
+          <p:cNvSpPr>
+            <a:spLocks noGrp="1"/>
+          </p:cNvSpPr>
+          <p:nvPr>
+            <p:ph type="title"/>
+          </p:nvPr>
+        </p:nvSpPr>
+        <p:spPr/>
+        <p:txBody>
+          <a:bodyPr/>
+          <a:lstStyle/>
+          <a:p>
+            <a:r>
+              <a:rPr lang="en-US" dirty="0" smtClean="0"/>
+              <a:t/>
+            </a:r>
+            <a:br>
+              <a:rPr lang="en-US" dirty="0" smtClean="0"/>
+            </a:br>
+            <a:r>
+              <a:rPr lang="en-US" dirty="0" smtClean="0"/>
+              <a:t>Process flow</a:t>
+            </a:r>
+            <a:r>
+              <a:rPr lang="en-US" dirty="0"/>
+              <a:t/>
+            </a:r>
+            <a:br>
+              <a:rPr lang="en-US" dirty="0"/>
+            </a:br>
+            <a:endParaRPr lang="en-US" dirty="0"/>
+          </a:p>
+        </p:txBody>
+      </p:sp>
+      <p:pic>
+        <p:nvPicPr>
+          <p:cNvPr id="13" name="Content Placeholder 12"/>
+          <p:cNvPicPr>
+            <a:picLocks noGrp="1" noChangeAspect="1"/>
+          </p:cNvPicPr>
+          <p:nvPr>
+            <p:ph idx="1"/>
+          </p:nvPr>
+        </p:nvPicPr>
+        <p:blipFill>
+          <a:blip r:embed="rId2">
+            <a:extLst>
+              <a:ext uri="{28A0092B-C50C-407E-A947-70E740481C1C}">
+                <a14:useLocalDpi xmlns:a14="http://schemas.microsoft.com/office/drawing/2010/main" val="0"/>
+              </a:ext>
+            </a:extLst>
+          </a:blip>
+          <a:stretch>
+            <a:fillRect/>
+          </a:stretch>
+        </p:blipFill>
+        <p:spPr>
+          <a:xfrm>
+            <a:off x="1752600" y="2133600"/>
+            <a:ext cx="5105400" cy="3429000"/>
+          </a:xfrm>
+        </p:spPr>
+      </p:pic>
+    </p:spTree>
+    <p:extLst>
+      <p:ext uri="{BB962C8B-B14F-4D97-AF65-F5344CB8AC3E}">
+        <p14:creationId xmlns:p14="http://schemas.microsoft.com/office/powerpoint/2010/main" val="3966585758"/>
+      </p:ext>
+    </p:extLst>
+  </p:cSld>
+  <p:clrMapOvr>
+    <a:masterClrMapping/>
+  </p:clrMapOvr>
+  <p:timing>
+    <p:tnLst>
+      <p:par>
+        <p:cTn xmlns:p14="http://schemas.microsoft.com/office/powerpoint/2010/main" id="1" dur="indefinite" restart="never" nodeType="tmRoot"/>
+      </p:par>
+    </p:tnLst>
+  </p:timing>
+</p:sld>
+</file>
+
+<file path=ppt/slides/slide5.xml><?xml version="1.0" encoding="utf-8"?>
+<p:sld xmlns:a="http://schemas.openxmlformats.org/drawingml/2006/main" xmlns:r="http://schemas.openxmlformats.org/officeDocument/2006/relationships" xmlns:p="http://schemas.openxmlformats.org/presentationml/2006/main">
+  <p:cSld>
+    <p:spTree>
+      <p:nvGrpSpPr>
+        <p:cNvPr id="1" name=""/>
+        <p:cNvGrpSpPr/>
+        <p:nvPr/>
+      </p:nvGrpSpPr>
+      <p:grpSpPr>
+        <a:xfrm>
+          <a:off x="0" y="0"/>
+          <a:ext cx="0" cy="0"/>
+          <a:chOff x="0" y="0"/>
+          <a:chExt cx="0" cy="0"/>
+        </a:xfrm>
+      </p:grpSpPr>
+      <p:sp>
+        <p:nvSpPr>
+          <p:cNvPr id="2" name="Title 1"/>
+          <p:cNvSpPr>
+            <a:spLocks noGrp="1"/>
+          </p:cNvSpPr>
+          <p:nvPr>
+            <p:ph type="title"/>
+          </p:nvPr>
+        </p:nvSpPr>
+        <p:spPr/>
+        <p:txBody>
+          <a:bodyPr/>
+          <a:lstStyle/>
+          <a:p>
+            <a:r>
+              <a:rPr lang="en-US" dirty="0" smtClean="0"/>
+              <a:t>Algorithms</a:t>
+            </a:r>
+            <a:endParaRPr lang="en-US" dirty="0"/>
+          </a:p>
+        </p:txBody>
+      </p:sp>
+      <p:sp>
+        <p:nvSpPr>
+          <p:cNvPr id="3" name="Content Placeholder 2"/>
+          <p:cNvSpPr>
+            <a:spLocks noGrp="1"/>
+          </p:cNvSpPr>
+          <p:nvPr>
+            <p:ph idx="1"/>
+          </p:nvPr>
+        </p:nvSpPr>
+        <p:spPr>
+          <a:xfrm>
+            <a:off x="457200" y="1981200"/>
+            <a:ext cx="8229600" cy="4149725"/>
+          </a:xfrm>
+        </p:spPr>
+        <p:txBody>
+          <a:bodyPr/>
+          <a:lstStyle/>
+          <a:p>
+            <a:r>
+              <a:rPr lang="en-US" dirty="0" smtClean="0"/>
+              <a:t>Maximum Entropy and SVM classifier</a:t>
+            </a:r>
+          </a:p>
+          <a:p>
+            <a:r>
+              <a:rPr lang="en-US" dirty="0" smtClean="0"/>
+              <a:t>Bayesian Classifier (with chosen features)</a:t>
+            </a:r>
+          </a:p>
+          <a:p>
+            <a:r>
+              <a:rPr lang="en-US" dirty="0" smtClean="0"/>
+              <a:t>Learning algorithm (neural networks)</a:t>
+            </a:r>
+            <a:endParaRPr lang="en-US" dirty="0"/>
+          </a:p>
+        </p:txBody>
+      </p:sp>
+    </p:spTree>
+    <p:extLst>
+      <p:ext uri="{BB962C8B-B14F-4D97-AF65-F5344CB8AC3E}">
+        <p14:creationId xmlns:p14="http://schemas.microsoft.com/office/powerpoint/2010/main" val="854921587"/>
+      </p:ext>
+    </p:extLst>
+  </p:cSld>
+  <p:clrMapOvr>
+    <a:masterClrMapping/>
+  </p:clrMapOvr>
+  <p:timing>
+    <p:tnLst>
+      <p:par>
+        <p:cTn xmlns:p14="http://schemas.microsoft.com/office/powerpoint/2010/main" id="1" dur="indefinite" restart="never" nodeType="tmRoot"/>
+      </p:par>
+    </p:tnLst>
+  </p:timing>
+</p:sld>
+</file>
+
+<file path=ppt/slides/slide6.xml><?xml version="1.0" encoding="utf-8"?>
+<p:sld xmlns:a="http://schemas.openxmlformats.org/drawingml/2006/main" xmlns:r="http://schemas.openxmlformats.org/officeDocument/2006/relationships" xmlns:p="http://schemas.openxmlformats.org/presentationml/2006/main">
+  <p:cSld>
+    <p:spTree>
+      <p:nvGrpSpPr>
+        <p:cNvPr id="1" name=""/>
+        <p:cNvGrpSpPr/>
+        <p:nvPr/>
+      </p:nvGrpSpPr>
+      <p:grpSpPr>
+        <a:xfrm>
+          <a:off x="0" y="0"/>
+          <a:ext cx="0" cy="0"/>
+          <a:chOff x="0" y="0"/>
+          <a:chExt cx="0" cy="0"/>
+        </a:xfrm>
+      </p:grpSpPr>
+      <p:sp>
+        <p:nvSpPr>
+          <p:cNvPr id="2" name="Title 1"/>
+          <p:cNvSpPr>
+            <a:spLocks noGrp="1"/>
+          </p:cNvSpPr>
+          <p:nvPr>
+            <p:ph type="title"/>
+          </p:nvPr>
+        </p:nvSpPr>
+        <p:spPr/>
+        <p:txBody>
+          <a:bodyPr/>
+          <a:lstStyle/>
+          <a:p>
+            <a:r>
+              <a:rPr lang="en-US" dirty="0" smtClean="0"/>
+              <a:t>Algorithms</a:t>
+            </a:r>
+            <a:endParaRPr lang="en-US" dirty="0"/>
+          </a:p>
+        </p:txBody>
+      </p:sp>
+      <p:sp>
+        <p:nvSpPr>
+          <p:cNvPr id="3" name="Content Placeholder 2"/>
+          <p:cNvSpPr>
+            <a:spLocks noGrp="1"/>
+          </p:cNvSpPr>
+          <p:nvPr>
+            <p:ph idx="1"/>
+          </p:nvPr>
+        </p:nvSpPr>
+        <p:spPr>
+          <a:xfrm>
+            <a:off x="457200" y="1981200"/>
+            <a:ext cx="8229600" cy="4149725"/>
+          </a:xfrm>
+        </p:spPr>
+        <p:txBody>
+          <a:bodyPr/>
+          <a:lstStyle/>
+          <a:p>
+            <a:r>
+              <a:rPr lang="en-US" dirty="0" smtClean="0"/>
+              <a:t>Features for argument identification</a:t>
+            </a:r>
+          </a:p>
+          <a:p>
+            <a:pPr lvl="2"/>
+            <a:r>
+              <a:rPr lang="en-US" dirty="0" smtClean="0"/>
+              <a:t>Adverbs (POS Tagger)</a:t>
+            </a:r>
+          </a:p>
+          <a:p>
+            <a:pPr lvl="2"/>
+            <a:r>
+              <a:rPr lang="en-US" dirty="0" smtClean="0"/>
+              <a:t>Verbs (POS Tagger)</a:t>
+            </a:r>
+          </a:p>
+          <a:p>
+            <a:pPr lvl="2"/>
+            <a:r>
+              <a:rPr lang="en-US" dirty="0" smtClean="0"/>
+              <a:t>Text statistics</a:t>
+            </a:r>
+          </a:p>
+          <a:p>
+            <a:pPr lvl="2"/>
+            <a:r>
+              <a:rPr lang="en-US" dirty="0" smtClean="0"/>
+              <a:t>Punctuation</a:t>
+            </a:r>
+          </a:p>
+          <a:p>
+            <a:pPr lvl="2"/>
+            <a:r>
+              <a:rPr lang="en-US" dirty="0" smtClean="0"/>
+              <a:t>Key words</a:t>
+            </a:r>
+          </a:p>
+          <a:p>
+            <a:pPr lvl="2"/>
+            <a:r>
+              <a:rPr lang="en-US" dirty="0" smtClean="0"/>
+              <a:t>Parse features</a:t>
+            </a:r>
+            <a:endParaRPr lang="en-US" dirty="0"/>
+          </a:p>
+        </p:txBody>
+      </p:sp>
+    </p:spTree>
+    <p:extLst>
+      <p:ext uri="{BB962C8B-B14F-4D97-AF65-F5344CB8AC3E}">
+        <p14:creationId xmlns:p14="http://schemas.microsoft.com/office/powerpoint/2010/main" val="4154663964"/>
+      </p:ext>
+    </p:extLst>
+  </p:cSld>
+  <p:clrMapOvr>
+    <a:masterClrMapping/>
+  </p:clrMapOvr>
+  <p:timing>
+    <p:tnLst>
+      <p:par>
+        <p:cTn xmlns:p14="http://schemas.microsoft.com/office/powerpoint/2010/main" id="1" dur="indefinite" restart="never" nodeType="tmRoot"/>
+      </p:par>
+    </p:tnLst>
+  </p:timing>
+</p:sld>
+</file>
+
+<file path=ppt/slides/slide7.xml><?xml version="1.0" encoding="utf-8"?>
+<p:sld xmlns:a="http://schemas.openxmlformats.org/drawingml/2006/main" xmlns:r="http://schemas.openxmlformats.org/officeDocument/2006/relationships" xmlns:p="http://schemas.openxmlformats.org/presentationml/2006/main">
+  <p:cSld>
+    <p:spTree>
+      <p:nvGrpSpPr>
+        <p:cNvPr id="1" name=""/>
+        <p:cNvGrpSpPr/>
+        <p:nvPr/>
+      </p:nvGrpSpPr>
+      <p:grpSpPr>
+        <a:xfrm>
+          <a:off x="0" y="0"/>
+          <a:ext cx="0" cy="0"/>
+          <a:chOff x="0" y="0"/>
+          <a:chExt cx="0" cy="0"/>
+        </a:xfrm>
+      </p:grpSpPr>
+      <p:sp>
+        <p:nvSpPr>
+          <p:cNvPr id="2" name="Title 1"/>
+          <p:cNvSpPr>
+            <a:spLocks noGrp="1"/>
+          </p:cNvSpPr>
+          <p:nvPr>
+            <p:ph type="title"/>
+          </p:nvPr>
+        </p:nvSpPr>
+        <p:spPr/>
+        <p:txBody>
+          <a:bodyPr/>
+          <a:lstStyle/>
+          <a:p>
+            <a:r>
+              <a:rPr lang="en-US" dirty="0" smtClean="0"/>
+              <a:t>Algorithms</a:t>
+            </a:r>
+            <a:endParaRPr lang="en-US" dirty="0"/>
+          </a:p>
+        </p:txBody>
+      </p:sp>
+      <p:sp>
+        <p:nvSpPr>
+          <p:cNvPr id="3" name="Content Placeholder 2"/>
+          <p:cNvSpPr>
+            <a:spLocks noGrp="1"/>
+          </p:cNvSpPr>
+          <p:nvPr>
+            <p:ph idx="1"/>
+          </p:nvPr>
+        </p:nvSpPr>
+        <p:spPr>
+          <a:xfrm>
+            <a:off x="457200" y="2438400"/>
+            <a:ext cx="8229600" cy="2590800"/>
+          </a:xfrm>
+        </p:spPr>
+        <p:txBody>
+          <a:bodyPr/>
+          <a:lstStyle/>
+          <a:p>
+            <a:r>
+              <a:rPr lang="en-US" dirty="0" smtClean="0"/>
+              <a:t>Argument segmentation:</a:t>
+            </a:r>
+          </a:p>
+          <a:p>
+            <a:pPr lvl="2"/>
+            <a:r>
+              <a:rPr lang="en-US" dirty="0" smtClean="0"/>
+              <a:t>Semantic distance (</a:t>
+            </a:r>
+            <a:r>
+              <a:rPr lang="en-US" dirty="0" err="1" smtClean="0"/>
+              <a:t>WordNet</a:t>
+            </a:r>
+            <a:r>
+              <a:rPr lang="en-US" dirty="0" smtClean="0"/>
+              <a:t>)</a:t>
+            </a:r>
+          </a:p>
+          <a:p>
+            <a:pPr lvl="2"/>
+            <a:r>
+              <a:rPr lang="en-US" dirty="0"/>
+              <a:t>Similarity function based on the similarities between </a:t>
+            </a:r>
+            <a:r>
+              <a:rPr lang="en-US" dirty="0" smtClean="0"/>
+              <a:t>words</a:t>
+            </a:r>
+          </a:p>
+          <a:p>
+            <a:pPr lvl="2"/>
+            <a:endParaRPr lang="en-US" dirty="0" smtClean="0"/>
+          </a:p>
+          <a:p>
+            <a:pPr lvl="2"/>
+            <a:endParaRPr lang="en-US" dirty="0" smtClean="0"/>
+          </a:p>
+        </p:txBody>
+      </p:sp>
+    </p:spTree>
+    <p:extLst>
+      <p:ext uri="{BB962C8B-B14F-4D97-AF65-F5344CB8AC3E}">
+        <p14:creationId xmlns:p14="http://schemas.microsoft.com/office/powerpoint/2010/main" val="2104353211"/>
+      </p:ext>
+    </p:extLst>
+  </p:cSld>
+  <p:clrMapOvr>
+    <a:masterClrMapping/>
+  </p:clrMapOvr>
+  <p:timing>
+    <p:tnLst>
+      <p:par>
+        <p:cTn xmlns:p14="http://schemas.microsoft.com/office/powerpoint/2010/main" id="1" dur="indefinite" restart="never" nodeType="tmRoot"/>
+      </p:par>
+    </p:tnLst>
+  </p:timing>
+</p:sld>
+</file>
+
+<file path=ppt/slides/slide8.xml><?xml version="1.0" encoding="utf-8"?>
+<p:sld xmlns:a="http://schemas.openxmlformats.org/drawingml/2006/main" xmlns:r="http://schemas.openxmlformats.org/officeDocument/2006/relationships" xmlns:p="http://schemas.openxmlformats.org/presentationml/2006/main">
+  <p:cSld>
+    <p:spTree>
+      <p:nvGrpSpPr>
+        <p:cNvPr id="1" name=""/>
+        <p:cNvGrpSpPr/>
+        <p:nvPr/>
+      </p:nvGrpSpPr>
+      <p:grpSpPr>
+        <a:xfrm>
+          <a:off x="0" y="0"/>
+          <a:ext cx="0" cy="0"/>
+          <a:chOff x="0" y="0"/>
+          <a:chExt cx="0" cy="0"/>
+        </a:xfrm>
+      </p:grpSpPr>
+      <p:sp>
+        <p:nvSpPr>
+          <p:cNvPr id="2" name="Title 1"/>
+          <p:cNvSpPr>
+            <a:spLocks noGrp="1"/>
+          </p:cNvSpPr>
+          <p:nvPr>
+            <p:ph type="title"/>
+          </p:nvPr>
+        </p:nvSpPr>
+        <p:spPr/>
+        <p:txBody>
+          <a:bodyPr/>
+          <a:lstStyle/>
+          <a:p>
+            <a:r>
+              <a:rPr lang="en-US" dirty="0" smtClean="0"/>
+              <a:t>Algorithms</a:t>
+            </a:r>
+            <a:endParaRPr lang="en-US" dirty="0"/>
+          </a:p>
+        </p:txBody>
+      </p:sp>
+      <p:sp>
+        <p:nvSpPr>
+          <p:cNvPr id="3" name="Content Placeholder 2"/>
+          <p:cNvSpPr>
+            <a:spLocks noGrp="1"/>
+          </p:cNvSpPr>
+          <p:nvPr>
+            <p:ph idx="1"/>
+          </p:nvPr>
+        </p:nvSpPr>
+        <p:spPr>
+          <a:xfrm>
+            <a:off x="457200" y="1981200"/>
+            <a:ext cx="8229600" cy="4149725"/>
+          </a:xfrm>
+        </p:spPr>
+        <p:txBody>
+          <a:bodyPr/>
+          <a:lstStyle/>
+          <a:p>
+            <a:r>
+              <a:rPr lang="en-US" dirty="0"/>
+              <a:t>Argument classification(SVM):</a:t>
+            </a:r>
+          </a:p>
+          <a:p>
+            <a:pPr lvl="2"/>
+            <a:r>
+              <a:rPr lang="en-US" dirty="0"/>
+              <a:t>Type of Subject (POS Tagger)</a:t>
+            </a:r>
+          </a:p>
+          <a:p>
+            <a:pPr lvl="2"/>
+            <a:r>
+              <a:rPr lang="en-US" dirty="0"/>
+              <a:t>Type of Main </a:t>
+            </a:r>
+            <a:r>
+              <a:rPr lang="en-US" dirty="0" smtClean="0"/>
+              <a:t>Verb (POS Tagger)</a:t>
+            </a:r>
+          </a:p>
+          <a:p>
+            <a:pPr lvl="2"/>
+            <a:r>
+              <a:rPr lang="en-US" dirty="0" smtClean="0"/>
+              <a:t>Article reference</a:t>
+            </a:r>
+          </a:p>
+          <a:p>
+            <a:pPr lvl="2"/>
+            <a:r>
+              <a:rPr lang="en-US" dirty="0" smtClean="0"/>
+              <a:t>Key patterns</a:t>
+            </a:r>
+          </a:p>
+          <a:p>
+            <a:pPr lvl="2"/>
+            <a:r>
+              <a:rPr lang="en-US" dirty="0" smtClean="0"/>
+              <a:t>Absolute location</a:t>
+            </a:r>
+            <a:endParaRPr lang="en-US" dirty="0"/>
+          </a:p>
+          <a:p>
+            <a:pPr lvl="2"/>
+            <a:endParaRPr lang="en-US" dirty="0" smtClean="0"/>
+          </a:p>
+          <a:p>
+            <a:pPr lvl="2"/>
+            <a:endParaRPr lang="en-US" dirty="0" smtClean="0"/>
+          </a:p>
+        </p:txBody>
+      </p:sp>
+    </p:spTree>
+    <p:extLst>
+      <p:ext uri="{BB962C8B-B14F-4D97-AF65-F5344CB8AC3E}">
+        <p14:creationId xmlns:p14="http://schemas.microsoft.com/office/powerpoint/2010/main" val="3434154555"/>
+      </p:ext>
+    </p:extLst>
+  </p:cSld>
+  <p:clrMapOvr>
+    <a:masterClrMapping/>
+  </p:clrMapOvr>
+  <p:timing>
+    <p:tnLst>
+      <p:par>
+        <p:cTn xmlns:p14="http://schemas.microsoft.com/office/powerpoint/2010/main" id="1" dur="indefinite" restart="never" nodeType="tmRoot"/>
+      </p:par>
+    </p:tnLst>
+  </p:timing>
+</p:sld>
+</file>
+
+<file path=ppt/slides/slide9.xml><?xml version="1.0" encoding="utf-8"?>
+<p:sld xmlns:a="http://schemas.openxmlformats.org/drawingml/2006/main" xmlns:r="http://schemas.openxmlformats.org/officeDocument/2006/relationships" xmlns:p="http://schemas.openxmlformats.org/presentationml/2006/main">
+  <p:cSld>
+    <p:spTree>
+      <p:nvGrpSpPr>
+        <p:cNvPr id="1" name=""/>
+        <p:cNvGrpSpPr/>
+        <p:nvPr/>
+      </p:nvGrpSpPr>
+      <p:grpSpPr>
+        <a:xfrm>
+          <a:off x="0" y="0"/>
+          <a:ext cx="0" cy="0"/>
+          <a:chOff x="0" y="0"/>
+          <a:chExt cx="0" cy="0"/>
+        </a:xfrm>
+      </p:grpSpPr>
+      <p:sp>
+        <p:nvSpPr>
+          <p:cNvPr id="2" name="Title 1"/>
+          <p:cNvSpPr>
+            <a:spLocks noGrp="1"/>
+          </p:cNvSpPr>
+          <p:nvPr>
+            <p:ph type="title"/>
+          </p:nvPr>
+        </p:nvSpPr>
+        <p:spPr/>
+        <p:txBody>
+          <a:bodyPr/>
+          <a:lstStyle/>
+          <a:p>
+            <a:r>
+              <a:rPr lang="en-US" dirty="0" smtClean="0"/>
+              <a:t>Technologies</a:t>
+            </a:r>
+            <a:endParaRPr lang="en-US" dirty="0"/>
+          </a:p>
+        </p:txBody>
+      </p:sp>
+      <p:sp>
+        <p:nvSpPr>
+          <p:cNvPr id="3" name="Content Placeholder 2"/>
+          <p:cNvSpPr>
+            <a:spLocks noGrp="1"/>
+          </p:cNvSpPr>
+          <p:nvPr>
+            <p:ph idx="1"/>
+          </p:nvPr>
+        </p:nvSpPr>
+        <p:spPr>
+          <a:xfrm>
+            <a:off x="457200" y="1981200"/>
+            <a:ext cx="8229600" cy="4149725"/>
+          </a:xfrm>
+        </p:spPr>
+        <p:txBody>
+          <a:bodyPr/>
+          <a:lstStyle/>
+          <a:p>
+            <a:r>
+              <a:rPr lang="en-US" dirty="0" smtClean="0"/>
+              <a:t>Corpus used : Araucaria</a:t>
+            </a:r>
+          </a:p>
+          <a:p>
+            <a:r>
+              <a:rPr lang="en-US" dirty="0" smtClean="0"/>
+              <a:t>Language : </a:t>
+            </a:r>
+            <a:r>
+              <a:rPr lang="en-US" dirty="0" smtClean="0"/>
+              <a:t>python and C</a:t>
+            </a:r>
+            <a:endParaRPr lang="en-US" dirty="0" smtClean="0"/>
+          </a:p>
+          <a:p>
+            <a:r>
+              <a:rPr lang="en-US" dirty="0" smtClean="0"/>
+              <a:t>NLTK, Araucaria scheme library</a:t>
+            </a:r>
+            <a:endParaRPr lang="en-US" dirty="0" smtClean="0"/>
+          </a:p>
+          <a:p>
+            <a:endParaRPr lang="en-US" dirty="0" smtClean="0"/>
+          </a:p>
+          <a:p>
+            <a:endParaRPr lang="en-US" dirty="0"/>
+          </a:p>
+        </p:txBody>
+      </p:sp>
+    </p:spTree>
+    <p:extLst>
+      <p:ext uri="{BB962C8B-B14F-4D97-AF65-F5344CB8AC3E}">
+        <p14:creationId xmlns:p14="http://schemas.microsoft.com/office/powerpoint/2010/main" val="4274021973"/>
       </p:ext>
     </p:extLst>
   </p:cSld>
